--- a/plant disease detection system.pptx
+++ b/plant disease detection system.pptx
@@ -303,6 +303,30 @@
 
 <file path=ppt/changesInfos/changesInfo1.xml><?xml version="1.0" encoding="utf-8"?>
 <pc:chgInfo xmlns:a="http://schemas.openxmlformats.org/drawingml/2006/main" xmlns:r="http://schemas.openxmlformats.org/officeDocument/2006/relationships" xmlns:ac="http://schemas.microsoft.com/office/drawing/2013/main/command" xmlns:pc="http://schemas.microsoft.com/office/powerpoint/2013/main/command">
+  <pc:docChgLst>
+    <pc:chgData name="Ananya ." userId="71ec47a6eac84068" providerId="LiveId" clId="{200F4761-78CD-4191-B202-DCA3B198F31D}"/>
+    <pc:docChg chg="modSld">
+      <pc:chgData name="Ananya ." userId="71ec47a6eac84068" providerId="LiveId" clId="{200F4761-78CD-4191-B202-DCA3B198F31D}" dt="2025-05-18T05:54:11.203" v="38"/>
+      <pc:docMkLst>
+        <pc:docMk/>
+      </pc:docMkLst>
+      <pc:sldChg chg="modSp mod">
+        <pc:chgData name="Ananya ." userId="71ec47a6eac84068" providerId="LiveId" clId="{200F4761-78CD-4191-B202-DCA3B198F31D}" dt="2025-05-18T05:54:11.203" v="38"/>
+        <pc:sldMkLst>
+          <pc:docMk/>
+          <pc:sldMk cId="0" sldId="261"/>
+        </pc:sldMkLst>
+        <pc:spChg chg="mod">
+          <ac:chgData name="Ananya ." userId="71ec47a6eac84068" providerId="LiveId" clId="{200F4761-78CD-4191-B202-DCA3B198F31D}" dt="2025-05-18T05:54:11.203" v="38"/>
+          <ac:spMkLst>
+            <pc:docMk/>
+            <pc:sldMk cId="0" sldId="261"/>
+            <ac:spMk id="4" creationId="{F2C64840-55DA-2C87-6051-7C19A4654D3F}"/>
+          </ac:spMkLst>
+        </pc:spChg>
+      </pc:sldChg>
+    </pc:docChg>
+  </pc:docChgLst>
   <pc:docChgLst>
     <pc:chgData name="Ananya ." userId="71ec47a6eac84068" providerId="LiveId" clId="{EB5B9B3C-11E5-45DA-A6C5-DA4A606C1B6D}"/>
     <pc:docChg chg="undo custSel addSld delSld modSld addSection modSection">
@@ -3451,7 +3475,7 @@
         <p:spPr>
           <a:xfrm>
             <a:off x="376988" y="1612231"/>
-            <a:ext cx="10668001" cy="4397358"/>
+            <a:ext cx="10668001" cy="4971361"/>
           </a:xfrm>
           <a:prstGeom prst="rect">
             <a:avLst/>
@@ -3565,6 +3589,19 @@
               <a:rPr lang="en-US" dirty="0"/>
               <a:t> 🤳</a:t>
             </a:r>
+          </a:p>
+          <a:p>
+            <a:r>
+              <a:rPr lang="en-US" b="1" dirty="0"/>
+              <a:t>Git hub link for this project is:</a:t>
+            </a:r>
+          </a:p>
+          <a:p>
+            <a:r>
+              <a:rPr lang="en-US" b="1"/>
+              <a:t>https://github.com/Ananya-class/Plant-Disease-Detection-System</a:t>
+            </a:r>
+            <a:endParaRPr lang="en-US" b="1" dirty="0"/>
           </a:p>
           <a:p>
             <a:endParaRPr lang="en-US" dirty="0"/>
